--- a/weekly_report/group1/report_group1_week6.pptx
+++ b/weekly_report/group1/report_group1_week6.pptx
@@ -6155,15 +6155,7 @@
           <a:p>
             <a:r>
               <a:rPr kumimoji="1" lang="en-US" altLang="zh-CN" dirty="0" smtClean="0"/>
-              <a:t>Group 1 Week </a:t>
-            </a:r>
-            <a:r>
-              <a:rPr kumimoji="1" lang="en-US" altLang="zh-CN" dirty="0" smtClean="0"/>
-              <a:t>6 </a:t>
-            </a:r>
-            <a:r>
-              <a:rPr kumimoji="1" lang="en-US" altLang="zh-CN" dirty="0" smtClean="0"/>
-              <a:t>report</a:t>
+              <a:t>Group 1 Week 6 report</a:t>
             </a:r>
             <a:endParaRPr kumimoji="1" lang="zh-CN" altLang="en-US" dirty="0"/>
           </a:p>
@@ -6296,7 +6288,7 @@
           <p:cNvPr id="6" name="标题 1">
             <a:extLst>
               <a:ext uri="{FF2B5EF4-FFF2-40B4-BE49-F238E27FC236}">
-                <a16:creationId xmlns="" xmlns:a16="http://schemas.microsoft.com/office/drawing/2014/main" id="{54B98C10-00C8-42FD-A341-5CF67D9F4E8F}"/>
+                <a16:creationId xmlns:a16="http://schemas.microsoft.com/office/drawing/2014/main" xmlns="" id="{54B98C10-00C8-42FD-A341-5CF67D9F4E8F}"/>
               </a:ext>
             </a:extLst>
           </p:cNvPr>
@@ -6542,11 +6534,7 @@
             </a:r>
             <a:r>
               <a:rPr kumimoji="1" lang="en-US" altLang="zh-CN" dirty="0" smtClean="0"/>
-              <a:t> </a:t>
-            </a:r>
-            <a:r>
-              <a:rPr kumimoji="1" lang="en-US" altLang="zh-CN" dirty="0" smtClean="0"/>
-              <a:t>time!</a:t>
+              <a:t> time!</a:t>
             </a:r>
             <a:endParaRPr kumimoji="1" lang="zh-CN" altLang="en-US" dirty="0"/>
           </a:p>
@@ -6594,7 +6582,7 @@
           <p:cNvPr id="4" name="标题 1">
             <a:extLst>
               <a:ext uri="{FF2B5EF4-FFF2-40B4-BE49-F238E27FC236}">
-                <a16:creationId xmlns="" xmlns:a16="http://schemas.microsoft.com/office/drawing/2014/main" id="{54B98C10-00C8-42FD-A341-5CF67D9F4E8F}"/>
+                <a16:creationId xmlns:a16="http://schemas.microsoft.com/office/drawing/2014/main" xmlns="" id="{54B98C10-00C8-42FD-A341-5CF67D9F4E8F}"/>
               </a:ext>
             </a:extLst>
           </p:cNvPr>
@@ -6707,7 +6695,7 @@
           <p:cNvPr id="5" name="内容占位符 2">
             <a:extLst>
               <a:ext uri="{FF2B5EF4-FFF2-40B4-BE49-F238E27FC236}">
-                <a16:creationId xmlns="" xmlns:a16="http://schemas.microsoft.com/office/drawing/2014/main" id="{291C9CBE-081C-450E-8235-BB44A1C88D0D}"/>
+                <a16:creationId xmlns:a16="http://schemas.microsoft.com/office/drawing/2014/main" xmlns="" id="{291C9CBE-081C-450E-8235-BB44A1C88D0D}"/>
               </a:ext>
             </a:extLst>
           </p:cNvPr>
@@ -6969,11 +6957,7 @@
             </a:r>
             <a:r>
               <a:rPr lang="zh-CN" altLang="en-US" sz="1800" dirty="0" smtClean="0"/>
-              <a:t>代码，云</a:t>
-            </a:r>
-            <a:r>
-              <a:rPr lang="zh-CN" altLang="en-US" sz="1800" dirty="0" smtClean="0"/>
-              <a:t>服务器</a:t>
+              <a:t>代码，云服务器</a:t>
             </a:r>
             <a:r>
               <a:rPr lang="en-US" altLang="zh-CN" sz="1800" dirty="0"/>
@@ -7032,11 +7016,7 @@
             </a:r>
             <a:r>
               <a:rPr lang="zh-CN" altLang="en-US" sz="1800" dirty="0" smtClean="0"/>
-              <a:t>网页，学习</a:t>
-            </a:r>
-            <a:r>
-              <a:rPr lang="zh-CN" altLang="en-US" sz="1800" dirty="0" smtClean="0"/>
-              <a:t>报告、</a:t>
+              <a:t>网页，学习报告、</a:t>
             </a:r>
             <a:r>
               <a:rPr lang="en-US" altLang="zh-CN" sz="1800" dirty="0" smtClean="0"/>
@@ -7067,11 +7047,7 @@
             </a:r>
             <a:r>
               <a:rPr lang="zh-CN" altLang="en-US" sz="1800" dirty="0" smtClean="0"/>
-              <a:t>代码，调整</a:t>
-            </a:r>
-            <a:r>
-              <a:rPr lang="zh-CN" altLang="en-US" sz="1800" dirty="0" smtClean="0"/>
-              <a:t>细节</a:t>
+              <a:t>代码，调整细节</a:t>
             </a:r>
             <a:endParaRPr lang="en-US" altLang="zh-CN" sz="1800" dirty="0" smtClean="0"/>
           </a:p>
@@ -7183,11 +7159,7 @@
             </a:r>
             <a:r>
               <a:rPr lang="zh-CN" altLang="en-US" sz="1800" dirty="0" smtClean="0"/>
-              <a:t>的程序放在服务器上</a:t>
-            </a:r>
-            <a:r>
-              <a:rPr lang="zh-CN" altLang="en-US" sz="1800" dirty="0" smtClean="0"/>
-              <a:t>运算</a:t>
+              <a:t>的程序放在服务器上运算</a:t>
             </a:r>
             <a:endParaRPr lang="en-US" altLang="zh-CN" sz="1800" dirty="0" smtClean="0"/>
           </a:p>
@@ -7250,11 +7222,7 @@
             <a:pPr lvl="1"/>
             <a:r>
               <a:rPr lang="zh-CN" altLang="en-US" sz="1800" dirty="0" smtClean="0"/>
-              <a:t>对</a:t>
-            </a:r>
-            <a:r>
-              <a:rPr lang="zh-CN" altLang="en-US" sz="1800" dirty="0" smtClean="0"/>
-              <a:t>课堂上提到的四个关键词以及范畴论有了更深刻的理解</a:t>
+              <a:t>对课堂上提到的四个关键词以及范畴论有了更深刻的理解</a:t>
             </a:r>
             <a:endParaRPr lang="zh-CN" altLang="en-US" sz="1800" dirty="0"/>
           </a:p>
@@ -7302,7 +7270,7 @@
           <p:cNvPr id="4" name="标题 1">
             <a:extLst>
               <a:ext uri="{FF2B5EF4-FFF2-40B4-BE49-F238E27FC236}">
-                <a16:creationId xmlns="" xmlns:a16="http://schemas.microsoft.com/office/drawing/2014/main" id="{54B98C10-00C8-42FD-A341-5CF67D9F4E8F}"/>
+                <a16:creationId xmlns:a16="http://schemas.microsoft.com/office/drawing/2014/main" xmlns="" id="{54B98C10-00C8-42FD-A341-5CF67D9F4E8F}"/>
               </a:ext>
             </a:extLst>
           </p:cNvPr>
@@ -7593,7 +7561,7 @@
           <p:cNvPr id="4" name="标题 1">
             <a:extLst>
               <a:ext uri="{FF2B5EF4-FFF2-40B4-BE49-F238E27FC236}">
-                <a16:creationId xmlns="" xmlns:a16="http://schemas.microsoft.com/office/drawing/2014/main" id="{54B98C10-00C8-42FD-A341-5CF67D9F4E8F}"/>
+                <a16:creationId xmlns:a16="http://schemas.microsoft.com/office/drawing/2014/main" xmlns="" id="{54B98C10-00C8-42FD-A341-5CF67D9F4E8F}"/>
               </a:ext>
             </a:extLst>
           </p:cNvPr>
@@ -7830,7 +7798,7 @@
           <p:cNvPr id="4" name="标题 1">
             <a:extLst>
               <a:ext uri="{FF2B5EF4-FFF2-40B4-BE49-F238E27FC236}">
-                <a16:creationId xmlns="" xmlns:a16="http://schemas.microsoft.com/office/drawing/2014/main" id="{54B98C10-00C8-42FD-A341-5CF67D9F4E8F}"/>
+                <a16:creationId xmlns:a16="http://schemas.microsoft.com/office/drawing/2014/main" xmlns="" id="{54B98C10-00C8-42FD-A341-5CF67D9F4E8F}"/>
               </a:ext>
             </a:extLst>
           </p:cNvPr>
@@ -8041,7 +8009,7 @@
           <p:cNvPr id="4" name="标题 1">
             <a:extLst>
               <a:ext uri="{FF2B5EF4-FFF2-40B4-BE49-F238E27FC236}">
-                <a16:creationId xmlns="" xmlns:a16="http://schemas.microsoft.com/office/drawing/2014/main" id="{54B98C10-00C8-42FD-A341-5CF67D9F4E8F}"/>
+                <a16:creationId xmlns:a16="http://schemas.microsoft.com/office/drawing/2014/main" xmlns="" id="{54B98C10-00C8-42FD-A341-5CF67D9F4E8F}"/>
               </a:ext>
             </a:extLst>
           </p:cNvPr>
@@ -8155,7 +8123,7 @@
           <p:cNvPr id="5" name="内容占位符 2">
             <a:extLst>
               <a:ext uri="{FF2B5EF4-FFF2-40B4-BE49-F238E27FC236}">
-                <a16:creationId xmlns="" xmlns:a16="http://schemas.microsoft.com/office/drawing/2014/main" id="{291C9CBE-081C-450E-8235-BB44A1C88D0D}"/>
+                <a16:creationId xmlns:a16="http://schemas.microsoft.com/office/drawing/2014/main" xmlns="" id="{291C9CBE-081C-450E-8235-BB44A1C88D0D}"/>
               </a:ext>
             </a:extLst>
           </p:cNvPr>
@@ -8441,7 +8409,39 @@
             </a:r>
             <a:r>
               <a:rPr lang="zh-CN" altLang="en-US" sz="2200" dirty="0" smtClean="0"/>
+              <a:t>、</a:t>
+            </a:r>
+            <a:r>
+              <a:rPr lang="en-US" altLang="zh-CN" sz="2200" dirty="0" smtClean="0"/>
+              <a:t>while</a:t>
+            </a:r>
+            <a:r>
+              <a:rPr lang="zh-CN" altLang="en-US" sz="2200" dirty="0" smtClean="0"/>
               <a:t>等</a:t>
+            </a:r>
+            <a:endParaRPr lang="en-US" altLang="zh-CN" sz="2200" dirty="0" smtClean="0"/>
+          </a:p>
+          <a:p>
+            <a:pPr lvl="1"/>
+            <a:r>
+              <a:rPr lang="zh-CN" altLang="en-US" sz="2200" dirty="0" smtClean="0"/>
+              <a:t>但是对于</a:t>
+            </a:r>
+            <a:r>
+              <a:rPr lang="en-US" altLang="zh-CN" sz="2200" dirty="0" smtClean="0"/>
+              <a:t>if</a:t>
+            </a:r>
+            <a:r>
+              <a:rPr lang="zh-CN" altLang="en-US" sz="2200" dirty="0" smtClean="0"/>
+              <a:t>／</a:t>
+            </a:r>
+            <a:r>
+              <a:rPr lang="en-US" altLang="zh-CN" sz="2200" dirty="0" smtClean="0"/>
+              <a:t>else</a:t>
+            </a:r>
+            <a:r>
+              <a:rPr lang="zh-CN" altLang="en-US" sz="2200" dirty="0" smtClean="0"/>
+              <a:t>没有简单的处理方法</a:t>
             </a:r>
             <a:endParaRPr lang="en-US" altLang="zh-CN" sz="2200" dirty="0" smtClean="0"/>
           </a:p>
@@ -8540,7 +8540,7 @@
           <p:cNvPr id="4" name="标题 1">
             <a:extLst>
               <a:ext uri="{FF2B5EF4-FFF2-40B4-BE49-F238E27FC236}">
-                <a16:creationId xmlns="" xmlns:a16="http://schemas.microsoft.com/office/drawing/2014/main" id="{54B98C10-00C8-42FD-A341-5CF67D9F4E8F}"/>
+                <a16:creationId xmlns:a16="http://schemas.microsoft.com/office/drawing/2014/main" xmlns="" id="{54B98C10-00C8-42FD-A341-5CF67D9F4E8F}"/>
               </a:ext>
             </a:extLst>
           </p:cNvPr>
@@ -8654,7 +8654,7 @@
           <p:cNvPr id="6" name="内容占位符 2">
             <a:extLst>
               <a:ext uri="{FF2B5EF4-FFF2-40B4-BE49-F238E27FC236}">
-                <a16:creationId xmlns="" xmlns:a16="http://schemas.microsoft.com/office/drawing/2014/main" id="{291C9CBE-081C-450E-8235-BB44A1C88D0D}"/>
+                <a16:creationId xmlns:a16="http://schemas.microsoft.com/office/drawing/2014/main" xmlns="" id="{291C9CBE-081C-450E-8235-BB44A1C88D0D}"/>
               </a:ext>
             </a:extLst>
           </p:cNvPr>
@@ -9011,7 +9011,7 @@
           <p:cNvPr id="4" name="标题 1">
             <a:extLst>
               <a:ext uri="{FF2B5EF4-FFF2-40B4-BE49-F238E27FC236}">
-                <a16:creationId xmlns="" xmlns:a16="http://schemas.microsoft.com/office/drawing/2014/main" id="{54B98C10-00C8-42FD-A341-5CF67D9F4E8F}"/>
+                <a16:creationId xmlns:a16="http://schemas.microsoft.com/office/drawing/2014/main" xmlns="" id="{54B98C10-00C8-42FD-A341-5CF67D9F4E8F}"/>
               </a:ext>
             </a:extLst>
           </p:cNvPr>
@@ -9238,7 +9238,7 @@
           <p:cNvPr id="4" name="标题 1">
             <a:extLst>
               <a:ext uri="{FF2B5EF4-FFF2-40B4-BE49-F238E27FC236}">
-                <a16:creationId xmlns="" xmlns:a16="http://schemas.microsoft.com/office/drawing/2014/main" id="{54B98C10-00C8-42FD-A341-5CF67D9F4E8F}"/>
+                <a16:creationId xmlns:a16="http://schemas.microsoft.com/office/drawing/2014/main" xmlns="" id="{54B98C10-00C8-42FD-A341-5CF67D9F4E8F}"/>
               </a:ext>
             </a:extLst>
           </p:cNvPr>
